--- a/CSS_Lecture.pptx
+++ b/CSS_Lecture.pptx
@@ -292,7 +292,7 @@
           <a:p>
             <a:fld id="{1D8BD707-D9CF-40AE-B4C6-C98DA3205C09}" type="datetimeFigureOut">
               <a:rPr lang="en-US"/>
-              <a:t>11/12/2024</a:t>
+              <a:t>11/18/2024</a:t>
             </a:fld>
             <a:endParaRPr lang="en-US"/>
           </a:p>
@@ -469,7 +469,7 @@
           <a:p>
             <a:fld id="{1D8BD707-D9CF-40AE-B4C6-C98DA3205C09}" type="datetimeFigureOut">
               <a:rPr lang="en-US"/>
-              <a:t>11/12/2024</a:t>
+              <a:t>11/18/2024</a:t>
             </a:fld>
             <a:endParaRPr lang="en-US"/>
           </a:p>
@@ -683,7 +683,7 @@
           <a:p>
             <a:fld id="{1D8BD707-D9CF-40AE-B4C6-C98DA3205C09}" type="datetimeFigureOut">
               <a:rPr lang="en-US"/>
-              <a:t>11/12/2024</a:t>
+              <a:t>11/18/2024</a:t>
             </a:fld>
             <a:endParaRPr lang="en-US"/>
           </a:p>
@@ -933,7 +933,7 @@
           <a:p>
             <a:fld id="{1D8BD707-D9CF-40AE-B4C6-C98DA3205C09}" type="datetimeFigureOut">
               <a:rPr lang="en-US"/>
-              <a:t>11/12/2024</a:t>
+              <a:t>11/18/2024</a:t>
             </a:fld>
             <a:endParaRPr lang="en-US"/>
           </a:p>
@@ -3240,7 +3240,7 @@
           <a:p>
             <a:fld id="{1D8BD707-D9CF-40AE-B4C6-C98DA3205C09}" type="datetimeFigureOut">
               <a:rPr lang="en-US"/>
-              <a:t>11/12/2024</a:t>
+              <a:t>11/18/2024</a:t>
             </a:fld>
             <a:endParaRPr lang="en-US"/>
           </a:p>
@@ -3515,7 +3515,7 @@
           <a:p>
             <a:fld id="{1D8BD707-D9CF-40AE-B4C6-C98DA3205C09}" type="datetimeFigureOut">
               <a:rPr lang="en-US"/>
-              <a:t>11/12/2024</a:t>
+              <a:t>11/18/2024</a:t>
             </a:fld>
             <a:endParaRPr lang="en-US"/>
           </a:p>
@@ -3754,8 +3754,8 @@
           <a:bodyPr/>
           <a:lstStyle/>
           <a:p>
-            <a:r>
-              <a:rPr lang="en-US" sz="7200" dirty="0" smtClean="0">
+            <a:br>
+              <a:rPr lang="en-US" sz="7200" dirty="0">
                 <a:solidFill>
                   <a:schemeClr val="tx2">
                     <a:lumMod val="40000"/>
@@ -3763,10 +3763,9 @@
                   </a:schemeClr>
                 </a:solidFill>
               </a:rPr>
-              <a:t/>
-            </a:r>
-            <a:br>
-              <a:rPr lang="en-US" sz="7200" dirty="0" smtClean="0">
+            </a:br>
+            <a:r>
+              <a:rPr lang="en-US" sz="7200" dirty="0">
                 <a:solidFill>
                   <a:schemeClr val="tx2">
                     <a:lumMod val="40000"/>
@@ -3774,26 +3773,8 @@
                   </a:schemeClr>
                 </a:solidFill>
               </a:rPr>
-            </a:br>
-            <a:r>
-              <a:rPr lang="en-US" sz="7200" dirty="0" smtClean="0">
-                <a:solidFill>
-                  <a:schemeClr val="tx2">
-                    <a:lumMod val="40000"/>
-                    <a:lumOff val="60000"/>
-                  </a:schemeClr>
-                </a:solidFill>
-              </a:rPr>
               <a:t>INTRODUCTION TO PROGRAMMING</a:t>
             </a:r>
-            <a:endParaRPr lang="en-US" sz="7200" dirty="0">
-              <a:solidFill>
-                <a:schemeClr val="tx2">
-                  <a:lumMod val="40000"/>
-                  <a:lumOff val="60000"/>
-                </a:schemeClr>
-              </a:solidFill>
-            </a:endParaRPr>
           </a:p>
         </p:txBody>
       </p:sp>
@@ -3818,10 +3799,9 @@
           <a:lstStyle/>
           <a:p>
             <a:r>
-              <a:rPr lang="en-US" dirty="0" smtClean="0"/>
+              <a:rPr lang="en-US" dirty="0"/>
               <a:t>                                    Instructor : Engr.Wasfa Khan</a:t>
             </a:r>
-            <a:endParaRPr lang="en-US" dirty="0"/>
           </a:p>
         </p:txBody>
       </p:sp>
@@ -4601,7 +4581,7 @@
               <a:t> </a:t>
             </a:r>
             <a:r>
-              <a:rPr sz="4000" i="1" spc="-305" dirty="0" smtClean="0">
+              <a:rPr sz="4000" i="1" spc="-305" dirty="0">
                 <a:solidFill>
                   <a:srgbClr val="FFFFFF"/>
                 </a:solidFill>
@@ -4611,7 +4591,7 @@
               <a:t>3</a:t>
             </a:r>
             <a:r>
-              <a:rPr sz="4000" i="1" spc="10" dirty="0" smtClean="0">
+              <a:rPr sz="4000" i="1" spc="10" dirty="0">
                 <a:solidFill>
                   <a:srgbClr val="FFFFFF"/>
                 </a:solidFill>
@@ -4621,7 +4601,7 @@
               <a:t>p</a:t>
             </a:r>
             <a:r>
-              <a:rPr sz="4000" i="1" spc="-100" dirty="0" smtClean="0">
+              <a:rPr sz="4000" i="1" spc="-100" dirty="0">
                 <a:solidFill>
                   <a:srgbClr val="FFFFFF"/>
                 </a:solidFill>
@@ -4631,17 +4611,17 @@
               <a:t>x</a:t>
             </a:r>
             <a:r>
-              <a:rPr sz="4000" i="1" spc="-130" dirty="0" smtClean="0">
-                <a:solidFill>
-                  <a:srgbClr val="FFFFFF"/>
-                </a:solidFill>
-                <a:latin typeface="Trebuchet MS"/>
-                <a:cs typeface="Trebuchet MS"/>
-              </a:rPr>
-              <a:t> </a:t>
-            </a:r>
-            <a:r>
-              <a:rPr sz="4000" i="1" spc="-250" dirty="0" smtClean="0">
+              <a:rPr sz="4000" i="1" spc="-130" dirty="0">
+                <a:solidFill>
+                  <a:srgbClr val="FFFFFF"/>
+                </a:solidFill>
+                <a:latin typeface="Trebuchet MS"/>
+                <a:cs typeface="Trebuchet MS"/>
+              </a:rPr>
+              <a:t> </a:t>
+            </a:r>
+            <a:r>
+              <a:rPr sz="4000" i="1" spc="-250" dirty="0">
                 <a:solidFill>
                   <a:srgbClr val="FFFFFF"/>
                 </a:solidFill>
@@ -4651,7 +4631,7 @@
               <a:t>4</a:t>
             </a:r>
             <a:r>
-              <a:rPr sz="4000" i="1" spc="10" dirty="0" smtClean="0">
+              <a:rPr sz="4000" i="1" spc="10" dirty="0">
                 <a:solidFill>
                   <a:srgbClr val="FFFFFF"/>
                 </a:solidFill>
@@ -4661,7 +4641,7 @@
               <a:t>p</a:t>
             </a:r>
             <a:r>
-              <a:rPr sz="4000" i="1" spc="-105" dirty="0" smtClean="0">
+              <a:rPr sz="4000" i="1" spc="-105" dirty="0">
                 <a:solidFill>
                   <a:srgbClr val="FFFFFF"/>
                 </a:solidFill>
@@ -9644,7 +9624,7 @@
               <a:t> </a:t>
             </a:r>
             <a:r>
-              <a:rPr sz="3600" spc="-15" dirty="0" smtClean="0">
+              <a:rPr sz="3600" spc="-15" dirty="0">
                 <a:solidFill>
                   <a:srgbClr val="FFFFFF"/>
                 </a:solidFill>
@@ -9654,7 +9634,7 @@
               <a:t>requ</a:t>
             </a:r>
             <a:r>
-              <a:rPr sz="3600" spc="-765" dirty="0" smtClean="0">
+              <a:rPr sz="3600" spc="-765" dirty="0">
                 <a:solidFill>
                   <a:srgbClr val="FFFFFF"/>
                 </a:solidFill>
@@ -9664,7 +9644,7 @@
               <a:t>i</a:t>
             </a:r>
             <a:r>
-              <a:rPr sz="3600" spc="-30" dirty="0" smtClean="0">
+              <a:rPr sz="3600" spc="-30" dirty="0">
                 <a:solidFill>
                   <a:srgbClr val="FFFFFF"/>
                 </a:solidFill>
@@ -9674,17 +9654,17 @@
               <a:t>red</a:t>
             </a:r>
             <a:r>
-              <a:rPr sz="3600" spc="-375" dirty="0" smtClean="0">
-                <a:solidFill>
-                  <a:srgbClr val="FFFFFF"/>
-                </a:solidFill>
-                <a:latin typeface="Trebuchet MS"/>
-                <a:cs typeface="Trebuchet MS"/>
-              </a:rPr>
-              <a:t> </a:t>
-            </a:r>
-            <a:r>
-              <a:rPr sz="3600" dirty="0" smtClean="0">
+              <a:rPr sz="3600" spc="-375" dirty="0">
+                <a:solidFill>
+                  <a:srgbClr val="FFFFFF"/>
+                </a:solidFill>
+                <a:latin typeface="Trebuchet MS"/>
+                <a:cs typeface="Trebuchet MS"/>
+              </a:rPr>
+              <a:t> </a:t>
+            </a:r>
+            <a:r>
+              <a:rPr sz="3600" dirty="0">
                 <a:solidFill>
                   <a:srgbClr val="FFFFFF"/>
                 </a:solidFill>
@@ -9694,7 +9674,7 @@
               <a:t>by</a:t>
             </a:r>
             <a:r>
-              <a:rPr sz="3600" spc="-95" dirty="0" smtClean="0">
+              <a:rPr sz="3600" spc="-95" dirty="0">
                 <a:solidFill>
                   <a:srgbClr val="FFFFFF"/>
                 </a:solidFill>
@@ -9704,7 +9684,7 @@
               <a:t>.</a:t>
             </a:r>
             <a:r>
-              <a:rPr sz="3600" spc="-175" dirty="0" smtClean="0">
+              <a:rPr sz="3600" spc="-175" dirty="0">
                 <a:solidFill>
                   <a:srgbClr val="FFFFFF"/>
                 </a:solidFill>
@@ -9880,7 +9860,7 @@
               <a:t> </a:t>
             </a:r>
             <a:r>
-              <a:rPr sz="3600" spc="-25" dirty="0" err="1" smtClean="0">
+              <a:rPr sz="3600" spc="-25" dirty="0" err="1">
                 <a:solidFill>
                   <a:srgbClr val="FFFFFF"/>
                 </a:solidFill>
@@ -9890,7 +9870,7 @@
               <a:t>spac</a:t>
             </a:r>
             <a:r>
-              <a:rPr sz="3600" spc="-110" dirty="0" err="1" smtClean="0">
+              <a:rPr sz="3600" spc="-110" dirty="0" err="1">
                 <a:solidFill>
                   <a:srgbClr val="FFFFFF"/>
                 </a:solidFill>
@@ -9900,7 +9880,7 @@
               <a:t>e</a:t>
             </a:r>
             <a:r>
-              <a:rPr sz="3600" spc="-80" dirty="0" err="1" smtClean="0">
+              <a:rPr sz="3600" spc="-80" dirty="0" err="1">
                 <a:solidFill>
                   <a:srgbClr val="FFFFFF"/>
                 </a:solidFill>
@@ -9910,7 +9890,7 @@
               <a:t>avai</a:t>
             </a:r>
             <a:r>
-              <a:rPr sz="3600" spc="-740" dirty="0" err="1" smtClean="0">
+              <a:rPr sz="3600" spc="-740" dirty="0" err="1">
                 <a:solidFill>
                   <a:srgbClr val="FFFFFF"/>
                 </a:solidFill>
@@ -9920,7 +9900,7 @@
               <a:t>l</a:t>
             </a:r>
             <a:r>
-              <a:rPr sz="3600" spc="-70" dirty="0" err="1" smtClean="0">
+              <a:rPr sz="3600" spc="-70" dirty="0" err="1">
                 <a:solidFill>
                   <a:srgbClr val="FFFFFF"/>
                 </a:solidFill>
@@ -9930,17 +9910,17 @@
               <a:t>able</a:t>
             </a:r>
             <a:r>
-              <a:rPr sz="3600" spc="-175" dirty="0" smtClean="0">
-                <a:solidFill>
-                  <a:srgbClr val="FFFFFF"/>
-                </a:solidFill>
-                <a:latin typeface="Trebuchet MS"/>
-                <a:cs typeface="Trebuchet MS"/>
-              </a:rPr>
-              <a:t> </a:t>
-            </a:r>
-            <a:r>
-              <a:rPr sz="3600" spc="-260" dirty="0" smtClean="0">
+              <a:rPr sz="3600" spc="-175" dirty="0">
+                <a:solidFill>
+                  <a:srgbClr val="FFFFFF"/>
+                </a:solidFill>
+                <a:latin typeface="Trebuchet MS"/>
+                <a:cs typeface="Trebuchet MS"/>
+              </a:rPr>
+              <a:t> </a:t>
+            </a:r>
+            <a:r>
+              <a:rPr sz="3600" spc="-260" dirty="0">
                 <a:solidFill>
                   <a:srgbClr val="FFFFFF"/>
                 </a:solidFill>
@@ -9950,7 +9930,7 @@
               <a:t>i</a:t>
             </a:r>
             <a:r>
-              <a:rPr sz="3600" spc="35" dirty="0" smtClean="0">
+              <a:rPr sz="3600" spc="35" dirty="0">
                 <a:solidFill>
                   <a:srgbClr val="FFFFFF"/>
                 </a:solidFill>
@@ -9960,17 +9940,17 @@
               <a:t>n</a:t>
             </a:r>
             <a:r>
-              <a:rPr sz="3600" spc="-175" dirty="0" smtClean="0">
-                <a:solidFill>
-                  <a:srgbClr val="FFFFFF"/>
-                </a:solidFill>
-                <a:latin typeface="Trebuchet MS"/>
-                <a:cs typeface="Trebuchet MS"/>
-              </a:rPr>
-              <a:t> </a:t>
-            </a:r>
-            <a:r>
-              <a:rPr sz="3600" spc="-220" dirty="0" smtClean="0">
+              <a:rPr sz="3600" spc="-175" dirty="0">
+                <a:solidFill>
+                  <a:srgbClr val="FFFFFF"/>
+                </a:solidFill>
+                <a:latin typeface="Trebuchet MS"/>
+                <a:cs typeface="Trebuchet MS"/>
+              </a:rPr>
+              <a:t> </a:t>
+            </a:r>
+            <a:r>
+              <a:rPr sz="3600" spc="-220" dirty="0">
                 <a:solidFill>
                   <a:srgbClr val="FFFFFF"/>
                 </a:solidFill>
@@ -9980,7 +9960,7 @@
               <a:t>w</a:t>
             </a:r>
             <a:r>
-              <a:rPr sz="3600" spc="-100" dirty="0" smtClean="0">
+              <a:rPr sz="3600" spc="-100" dirty="0">
                 <a:solidFill>
                   <a:srgbClr val="FFFFFF"/>
                 </a:solidFill>
@@ -9990,7 +9970,7 @@
               <a:t>idt</a:t>
             </a:r>
             <a:r>
-              <a:rPr sz="3600" spc="-700" dirty="0" smtClean="0">
+              <a:rPr sz="3600" spc="-700" dirty="0">
                 <a:solidFill>
                   <a:srgbClr val="FFFFFF"/>
                 </a:solidFill>
@@ -10000,7 +9980,7 @@
               <a:t>h</a:t>
             </a:r>
             <a:r>
-              <a:rPr sz="3600" spc="-175" dirty="0" smtClean="0">
+              <a:rPr sz="3600" spc="-175" dirty="0">
                 <a:solidFill>
                   <a:srgbClr val="FFFFFF"/>
                 </a:solidFill>
@@ -10180,7 +10160,7 @@
               </a:spcBef>
             </a:pPr>
             <a:r>
-              <a:rPr sz="3600" spc="-10" dirty="0" smtClean="0">
+              <a:rPr sz="3600" spc="-10" dirty="0">
                 <a:solidFill>
                   <a:srgbClr val="17D9FF"/>
                 </a:solidFill>
@@ -10190,7 +10170,7 @@
               <a:t>Note</a:t>
             </a:r>
             <a:r>
-              <a:rPr sz="3600" spc="-170" dirty="0" smtClean="0">
+              <a:rPr sz="3600" spc="-170" dirty="0">
                 <a:solidFill>
                   <a:srgbClr val="17D9FF"/>
                 </a:solidFill>
@@ -11268,7 +11248,7 @@
               <a:t> </a:t>
             </a:r>
             <a:r>
-              <a:rPr sz="3200" b="1" spc="70" dirty="0" smtClean="0">
+              <a:rPr sz="3200" b="1" spc="70" dirty="0">
                 <a:solidFill>
                   <a:srgbClr val="FF3131"/>
                 </a:solidFill>
@@ -11278,7 +11258,7 @@
               <a:t>0</a:t>
             </a:r>
             <a:r>
-              <a:rPr sz="3200" b="1" spc="114" dirty="0" smtClean="0">
+              <a:rPr sz="3200" b="1" spc="114" dirty="0">
                 <a:solidFill>
                   <a:srgbClr val="FF3131"/>
                 </a:solidFill>
@@ -11288,7 +11268,7 @@
               <a:t>.</a:t>
             </a:r>
             <a:r>
-              <a:rPr sz="3200" b="1" spc="-930" dirty="0" smtClean="0">
+              <a:rPr sz="3200" b="1" spc="-930" dirty="0">
                 <a:solidFill>
                   <a:srgbClr val="FF3131"/>
                 </a:solidFill>
@@ -11298,7 +11278,7 @@
               <a:t>5</a:t>
             </a:r>
             <a:r>
-              <a:rPr sz="3200" b="1" spc="-180" dirty="0" smtClean="0">
+              <a:rPr sz="3200" b="1" spc="-180" dirty="0">
                 <a:solidFill>
                   <a:srgbClr val="FF3131"/>
                 </a:solidFill>
@@ -11308,7 +11288,7 @@
               <a:t>)</a:t>
             </a:r>
             <a:r>
-              <a:rPr sz="3200" b="1" spc="-35" dirty="0" smtClean="0">
+              <a:rPr sz="3200" b="1" spc="-35" dirty="0">
                 <a:solidFill>
                   <a:srgbClr val="FFFFFF"/>
                 </a:solidFill>
@@ -11335,24 +11315,14 @@
               </a:tabLst>
             </a:pPr>
             <a:r>
-              <a:rPr sz="3200" b="1" spc="-100" dirty="0" smtClean="0">
+              <a:rPr sz="3200" b="1" spc="-100" dirty="0">
                 <a:solidFill>
                   <a:srgbClr val="FFFFFF"/>
                 </a:solidFill>
                 <a:latin typeface="Arial"/>
                 <a:cs typeface="Arial"/>
               </a:rPr>
-              <a:t>color</a:t>
-            </a:r>
-            <a:r>
-              <a:rPr sz="3200" b="1" spc="-100" dirty="0">
-                <a:solidFill>
-                  <a:srgbClr val="FFFFFF"/>
-                </a:solidFill>
-                <a:latin typeface="Arial"/>
-                <a:cs typeface="Arial"/>
-              </a:rPr>
-              <a:t>:	</a:t>
+              <a:t>color:	</a:t>
             </a:r>
             <a:r>
               <a:rPr sz="3200" b="1" spc="-50" dirty="0">
@@ -22456,7 +22426,7 @@
               <a:t> </a:t>
             </a:r>
             <a:r>
-              <a:rPr sz="3200" i="1" spc="-940" dirty="0" smtClean="0">
+              <a:rPr sz="3200" i="1" spc="-940" dirty="0">
                 <a:solidFill>
                   <a:srgbClr val="FFFFFF"/>
                 </a:solidFill>
@@ -22466,7 +22436,7 @@
               <a:t>/</a:t>
             </a:r>
             <a:r>
-              <a:rPr sz="3200" i="1" spc="110" dirty="0" smtClean="0">
+              <a:rPr sz="3200" i="1" spc="110" dirty="0">
                 <a:solidFill>
                   <a:srgbClr val="FFFFFF"/>
                 </a:solidFill>
@@ -22476,7 +22446,7 @@
               <a:t>a</a:t>
             </a:r>
             <a:r>
-              <a:rPr sz="3200" i="1" spc="10" dirty="0" smtClean="0">
+              <a:rPr sz="3200" i="1" spc="10" dirty="0">
                 <a:solidFill>
                   <a:srgbClr val="FFFFFF"/>
                 </a:solidFill>
@@ -22486,7 +22456,7 @@
               <a:t>b</a:t>
             </a:r>
             <a:r>
-              <a:rPr sz="3200" i="1" spc="90" dirty="0" smtClean="0">
+              <a:rPr sz="3200" i="1" spc="90" dirty="0">
                 <a:solidFill>
                   <a:srgbClr val="FFFFFF"/>
                 </a:solidFill>
@@ -22496,7 +22466,7 @@
               <a:t>s</a:t>
             </a:r>
             <a:r>
-              <a:rPr sz="3200" i="1" spc="-360" dirty="0" smtClean="0">
+              <a:rPr sz="3200" i="1" spc="-360" dirty="0">
                 <a:solidFill>
                   <a:srgbClr val="FFFFFF"/>
                 </a:solidFill>
@@ -22506,7 +22476,7 @@
               <a:t>o</a:t>
             </a:r>
             <a:r>
-              <a:rPr sz="3200" i="1" spc="-180" dirty="0" smtClean="0">
+              <a:rPr sz="3200" i="1" spc="-180" dirty="0">
                 <a:solidFill>
                   <a:srgbClr val="FFFFFF"/>
                 </a:solidFill>
@@ -22516,7 +22486,7 @@
               <a:t>l</a:t>
             </a:r>
             <a:r>
-              <a:rPr sz="3200" i="1" spc="-5" dirty="0" smtClean="0">
+              <a:rPr sz="3200" i="1" spc="-5" dirty="0">
                 <a:solidFill>
                   <a:srgbClr val="FFFFFF"/>
                 </a:solidFill>
@@ -22526,7 +22496,7 @@
               <a:t>u</a:t>
             </a:r>
             <a:r>
-              <a:rPr sz="3200" i="1" spc="-235" dirty="0" smtClean="0">
+              <a:rPr sz="3200" i="1" spc="-235" dirty="0">
                 <a:solidFill>
                   <a:srgbClr val="FFFFFF"/>
                 </a:solidFill>
@@ -22536,7 +22506,7 @@
               <a:t>t</a:t>
             </a:r>
             <a:r>
-              <a:rPr sz="3200" i="1" spc="-80" dirty="0" smtClean="0">
+              <a:rPr sz="3200" i="1" spc="-80" dirty="0">
                 <a:solidFill>
                   <a:srgbClr val="FFFFFF"/>
                 </a:solidFill>
@@ -22546,17 +22516,17 @@
               <a:t>e</a:t>
             </a:r>
             <a:r>
-              <a:rPr sz="3200" i="1" spc="-140" dirty="0" smtClean="0">
-                <a:solidFill>
-                  <a:srgbClr val="FFFFFF"/>
-                </a:solidFill>
-                <a:latin typeface="Trebuchet MS"/>
-                <a:cs typeface="Trebuchet MS"/>
-              </a:rPr>
-              <a:t> </a:t>
-            </a:r>
-            <a:r>
-              <a:rPr sz="3200" i="1" spc="-220" dirty="0" smtClean="0">
+              <a:rPr sz="3200" i="1" spc="-140" dirty="0">
+                <a:solidFill>
+                  <a:srgbClr val="FFFFFF"/>
+                </a:solidFill>
+                <a:latin typeface="Trebuchet MS"/>
+                <a:cs typeface="Trebuchet MS"/>
+              </a:rPr>
+              <a:t> </a:t>
+            </a:r>
+            <a:r>
+              <a:rPr sz="3200" i="1" spc="-220" dirty="0">
                 <a:solidFill>
                   <a:srgbClr val="FFFFFF"/>
                 </a:solidFill>
@@ -22566,17 +22536,17 @@
               <a:t>/</a:t>
             </a:r>
             <a:r>
-              <a:rPr sz="3200" i="1" spc="-105" dirty="0" smtClean="0">
-                <a:solidFill>
-                  <a:srgbClr val="FFFFFF"/>
-                </a:solidFill>
-                <a:latin typeface="Trebuchet MS"/>
-                <a:cs typeface="Trebuchet MS"/>
-              </a:rPr>
-              <a:t> </a:t>
-            </a:r>
-            <a:r>
-              <a:rPr sz="3200" i="1" spc="-220" dirty="0" smtClean="0">
+              <a:rPr sz="3200" i="1" spc="-105" dirty="0">
+                <a:solidFill>
+                  <a:srgbClr val="FFFFFF"/>
+                </a:solidFill>
+                <a:latin typeface="Trebuchet MS"/>
+                <a:cs typeface="Trebuchet MS"/>
+              </a:rPr>
+              <a:t> </a:t>
+            </a:r>
+            <a:r>
+              <a:rPr sz="3200" i="1" spc="-220" dirty="0">
                 <a:solidFill>
                   <a:srgbClr val="FFFFFF"/>
                 </a:solidFill>
@@ -22586,7 +22556,7 @@
               <a:t>f</a:t>
             </a:r>
             <a:r>
-              <a:rPr sz="3200" i="1" spc="-190" dirty="0" smtClean="0">
+              <a:rPr sz="3200" i="1" spc="-190" dirty="0">
                 <a:solidFill>
                   <a:srgbClr val="FFFFFF"/>
                 </a:solidFill>
@@ -22596,7 +22566,7 @@
               <a:t>i</a:t>
             </a:r>
             <a:r>
-              <a:rPr sz="3200" i="1" spc="-85" dirty="0" smtClean="0">
+              <a:rPr sz="3200" i="1" spc="-85" dirty="0">
                 <a:solidFill>
                   <a:srgbClr val="FFFFFF"/>
                 </a:solidFill>
@@ -22606,7 +22576,7 @@
               <a:t>xe</a:t>
             </a:r>
             <a:r>
-              <a:rPr sz="3200" i="1" spc="-780" dirty="0" smtClean="0">
+              <a:rPr sz="3200" i="1" spc="-780" dirty="0">
                 <a:solidFill>
                   <a:srgbClr val="FFFFFF"/>
                 </a:solidFill>
@@ -22615,7 +22585,7 @@
               </a:rPr>
               <a:t>d</a:t>
             </a:r>
-            <a:endParaRPr sz="16650" b="1" spc="142" baseline="-7007" dirty="0" smtClean="0">
+            <a:endParaRPr sz="16650" b="1" spc="142" baseline="-7007" dirty="0">
               <a:solidFill>
                 <a:srgbClr val="FFFFFF"/>
               </a:solidFill>
@@ -23525,7 +23495,7 @@
               <a:t> </a:t>
             </a:r>
             <a:r>
-              <a:rPr sz="3200" spc="-125" dirty="0" smtClean="0">
+              <a:rPr sz="3200" spc="-125" dirty="0">
                 <a:solidFill>
                   <a:srgbClr val="FFFFFF"/>
                 </a:solidFill>
@@ -23535,7 +23505,7 @@
               <a:t>i</a:t>
             </a:r>
             <a:r>
-              <a:rPr sz="3200" spc="-660" dirty="0" smtClean="0">
+              <a:rPr sz="3200" spc="-660" dirty="0">
                 <a:solidFill>
                   <a:srgbClr val="FFFFFF"/>
                 </a:solidFill>
@@ -23545,7 +23515,7 @@
               <a:t>t</a:t>
             </a:r>
             <a:r>
-              <a:rPr sz="3200" spc="85" dirty="0" smtClean="0">
+              <a:rPr sz="3200" spc="85" dirty="0">
                 <a:solidFill>
                   <a:srgbClr val="FFFFFF"/>
                 </a:solidFill>
@@ -23555,7 +23525,7 @@
               <a:t>s</a:t>
             </a:r>
             <a:r>
-              <a:rPr sz="3200" spc="-110" dirty="0" smtClean="0">
+              <a:rPr sz="3200" spc="-110" dirty="0">
                 <a:solidFill>
                   <a:srgbClr val="FFFFFF"/>
                 </a:solidFill>
@@ -23565,7 +23535,7 @@
               <a:t>e</a:t>
             </a:r>
             <a:r>
-              <a:rPr sz="3200" spc="-100" dirty="0" smtClean="0">
+              <a:rPr sz="3200" spc="-100" dirty="0">
                 <a:solidFill>
                   <a:srgbClr val="FFFFFF"/>
                 </a:solidFill>
@@ -23575,7 +23545,7 @@
               <a:t>l</a:t>
             </a:r>
             <a:r>
-              <a:rPr sz="3200" spc="-125" dirty="0" smtClean="0">
+              <a:rPr sz="3200" spc="-125" dirty="0">
                 <a:solidFill>
                   <a:srgbClr val="FFFFFF"/>
                 </a:solidFill>
@@ -23595,7 +23565,7 @@
               <a:t>. </a:t>
             </a:r>
             <a:r>
-              <a:rPr sz="3200" spc="-525" dirty="0" smtClean="0">
+              <a:rPr sz="3200" spc="-525" dirty="0">
                 <a:solidFill>
                   <a:srgbClr val="FFFFFF"/>
                 </a:solidFill>
@@ -23605,7 +23575,7 @@
               <a:t>(</a:t>
             </a:r>
             <a:r>
-              <a:rPr sz="3200" spc="20" dirty="0" smtClean="0">
+              <a:rPr sz="3200" spc="20" dirty="0">
                 <a:solidFill>
                   <a:srgbClr val="FFFFFF"/>
                 </a:solidFill>
@@ -23615,7 +23585,7 @@
               <a:t>T</a:t>
             </a:r>
             <a:r>
-              <a:rPr sz="3200" spc="35" dirty="0" smtClean="0">
+              <a:rPr sz="3200" spc="35" dirty="0">
                 <a:solidFill>
                   <a:srgbClr val="FFFFFF"/>
                 </a:solidFill>
@@ -23625,7 +23595,7 @@
               <a:t>h</a:t>
             </a:r>
             <a:r>
-              <a:rPr sz="3200" spc="-105" dirty="0" smtClean="0">
+              <a:rPr sz="3200" spc="-105" dirty="0">
                 <a:solidFill>
                   <a:srgbClr val="FFFFFF"/>
                 </a:solidFill>
@@ -23635,17 +23605,17 @@
               <a:t>e</a:t>
             </a:r>
             <a:r>
-              <a:rPr sz="3200" spc="-160" dirty="0" smtClean="0">
-                <a:solidFill>
-                  <a:srgbClr val="FFFFFF"/>
-                </a:solidFill>
-                <a:latin typeface="Trebuchet MS"/>
-                <a:cs typeface="Trebuchet MS"/>
-              </a:rPr>
-              <a:t> </a:t>
-            </a:r>
-            <a:r>
-              <a:rPr sz="3200" spc="-1000" dirty="0" smtClean="0">
+              <a:rPr sz="3200" spc="-160" dirty="0">
+                <a:solidFill>
+                  <a:srgbClr val="FFFFFF"/>
+                </a:solidFill>
+                <a:latin typeface="Trebuchet MS"/>
+                <a:cs typeface="Trebuchet MS"/>
+              </a:rPr>
+              <a:t> </a:t>
+            </a:r>
+            <a:r>
+              <a:rPr sz="3200" spc="-1000" dirty="0">
                 <a:solidFill>
                   <a:srgbClr val="FFFFFF"/>
                 </a:solidFill>
@@ -23656,7 +23626,7 @@
               <a:t>t</a:t>
             </a:r>
             <a:r>
-              <a:rPr sz="3200" spc="30" dirty="0" smtClean="0">
+              <a:rPr sz="3200" spc="30" dirty="0">
                 <a:solidFill>
                   <a:srgbClr val="FFFFFF"/>
                 </a:solidFill>
@@ -23667,7 +23637,7 @@
               <a:t>o</a:t>
             </a:r>
             <a:r>
-              <a:rPr sz="3200" spc="5" dirty="0" smtClean="0">
+              <a:rPr sz="3200" spc="5" dirty="0">
                 <a:solidFill>
                   <a:srgbClr val="FFFFFF"/>
                 </a:solidFill>
@@ -23698,7 +23668,7 @@
               <a:t> </a:t>
             </a:r>
             <a:r>
-              <a:rPr sz="3200" spc="5" dirty="0" smtClean="0">
+              <a:rPr sz="3200" spc="5" dirty="0">
                 <a:solidFill>
                   <a:srgbClr val="FFFFFF"/>
                 </a:solidFill>
@@ -23709,7 +23679,7 @@
               <a:t>r</a:t>
             </a:r>
             <a:r>
-              <a:rPr sz="3200" spc="-125" dirty="0" smtClean="0">
+              <a:rPr sz="3200" spc="-125" dirty="0">
                 <a:solidFill>
                   <a:srgbClr val="FFFFFF"/>
                 </a:solidFill>
@@ -23720,7 +23690,7 @@
               <a:t>i</a:t>
             </a:r>
             <a:r>
-              <a:rPr sz="3200" spc="-1435" dirty="0" smtClean="0">
+              <a:rPr sz="3200" spc="-1435" dirty="0">
                 <a:solidFill>
                   <a:srgbClr val="FFFFFF"/>
                 </a:solidFill>
@@ -23731,7 +23701,7 @@
               <a:t>g</a:t>
             </a:r>
             <a:r>
-              <a:rPr sz="3200" spc="35" dirty="0" smtClean="0">
+              <a:rPr sz="3200" spc="35" dirty="0">
                 <a:solidFill>
                   <a:srgbClr val="FFFFFF"/>
                 </a:solidFill>
@@ -23742,7 +23712,7 @@
               <a:t>h</a:t>
             </a:r>
             <a:r>
-              <a:rPr sz="3200" spc="-165" dirty="0" smtClean="0">
+              <a:rPr sz="3200" spc="-165" dirty="0">
                 <a:solidFill>
                   <a:srgbClr val="FFFFFF"/>
                 </a:solidFill>
@@ -24360,7 +24330,7 @@
               <a:t> </a:t>
             </a:r>
             <a:r>
-              <a:rPr sz="3200" spc="5" dirty="0" smtClean="0">
+              <a:rPr sz="3200" spc="5" dirty="0">
                 <a:solidFill>
                   <a:srgbClr val="FFFFFF"/>
                 </a:solidFill>
@@ -24370,7 +24340,7 @@
               <a:t>r</a:t>
             </a:r>
             <a:r>
-              <a:rPr sz="3200" spc="-110" dirty="0" smtClean="0">
+              <a:rPr sz="3200" spc="-110" dirty="0">
                 <a:solidFill>
                   <a:srgbClr val="FFFFFF"/>
                 </a:solidFill>
@@ -24380,7 +24350,7 @@
               <a:t>e</a:t>
             </a:r>
             <a:r>
-              <a:rPr sz="3200" spc="-100" dirty="0" smtClean="0">
+              <a:rPr sz="3200" spc="-100" dirty="0">
                 <a:solidFill>
                   <a:srgbClr val="FFFFFF"/>
                 </a:solidFill>
@@ -24390,7 +24360,7 @@
               <a:t>l</a:t>
             </a:r>
             <a:r>
-              <a:rPr sz="3200" spc="-60" dirty="0" smtClean="0">
+              <a:rPr sz="3200" spc="-60" dirty="0">
                 <a:solidFill>
                   <a:srgbClr val="FFFFFF"/>
                 </a:solidFill>
@@ -24400,7 +24370,7 @@
               <a:t>a</a:t>
             </a:r>
             <a:r>
-              <a:rPr sz="3200" spc="-305" dirty="0" smtClean="0">
+              <a:rPr sz="3200" spc="-305" dirty="0">
                 <a:solidFill>
                   <a:srgbClr val="FFFFFF"/>
                 </a:solidFill>
@@ -24410,7 +24380,7 @@
               <a:t>t</a:t>
             </a:r>
             <a:r>
-              <a:rPr sz="3200" spc="-125" dirty="0" smtClean="0">
+              <a:rPr sz="3200" spc="-125" dirty="0">
                 <a:solidFill>
                   <a:srgbClr val="FFFFFF"/>
                 </a:solidFill>
@@ -24420,7 +24390,7 @@
               <a:t>i</a:t>
             </a:r>
             <a:r>
-              <a:rPr sz="3200" spc="-55" dirty="0" smtClean="0">
+              <a:rPr sz="3200" spc="-55" dirty="0">
                 <a:solidFill>
                   <a:srgbClr val="FFFFFF"/>
                 </a:solidFill>
@@ -24430,7 +24400,7 @@
               <a:t>v</a:t>
             </a:r>
             <a:r>
-              <a:rPr sz="3200" spc="-105" dirty="0" smtClean="0">
+              <a:rPr sz="3200" spc="-105" dirty="0">
                 <a:solidFill>
                   <a:srgbClr val="FFFFFF"/>
                 </a:solidFill>
@@ -24440,17 +24410,17 @@
               <a:t>e</a:t>
             </a:r>
             <a:r>
-              <a:rPr sz="3200" spc="-155" dirty="0" smtClean="0">
-                <a:solidFill>
-                  <a:srgbClr val="FFFFFF"/>
-                </a:solidFill>
-                <a:latin typeface="Trebuchet MS"/>
-                <a:cs typeface="Trebuchet MS"/>
-              </a:rPr>
-              <a:t> </a:t>
-            </a:r>
-            <a:r>
-              <a:rPr sz="3200" spc="-165" dirty="0" err="1" smtClean="0">
+              <a:rPr sz="3200" spc="-155" dirty="0">
+                <a:solidFill>
+                  <a:srgbClr val="FFFFFF"/>
+                </a:solidFill>
+                <a:latin typeface="Trebuchet MS"/>
+                <a:cs typeface="Trebuchet MS"/>
+              </a:rPr>
+              <a:t> </a:t>
+            </a:r>
+            <a:r>
+              <a:rPr sz="3200" spc="-165" dirty="0" err="1">
                 <a:solidFill>
                   <a:srgbClr val="FFFFFF"/>
                 </a:solidFill>
@@ -24460,7 +24430,7 @@
               <a:t>t</a:t>
             </a:r>
             <a:r>
-              <a:rPr sz="3200" spc="-150" dirty="0" err="1" smtClean="0">
+              <a:rPr sz="3200" spc="-150" dirty="0" err="1">
                 <a:solidFill>
                   <a:srgbClr val="FFFFFF"/>
                 </a:solidFill>
@@ -24470,7 +24440,7 @@
               <a:t>o</a:t>
             </a:r>
             <a:r>
-              <a:rPr sz="3200" spc="-125" dirty="0" err="1" smtClean="0">
+              <a:rPr sz="3200" spc="-125" dirty="0" err="1">
                 <a:solidFill>
                   <a:srgbClr val="FFFFFF"/>
                 </a:solidFill>
@@ -24480,7 +24450,7 @@
               <a:t>i</a:t>
             </a:r>
             <a:r>
-              <a:rPr sz="3200" spc="-165" dirty="0" err="1" smtClean="0">
+              <a:rPr sz="3200" spc="-165" dirty="0" err="1">
                 <a:solidFill>
                   <a:srgbClr val="FFFFFF"/>
                 </a:solidFill>
@@ -24490,7 +24460,7 @@
               <a:t>t</a:t>
             </a:r>
             <a:r>
-              <a:rPr sz="3200" spc="90" dirty="0" err="1" smtClean="0">
+              <a:rPr sz="3200" spc="90" dirty="0" err="1">
                 <a:solidFill>
                   <a:srgbClr val="FFFFFF"/>
                 </a:solidFill>
@@ -24500,17 +24470,17 @@
               <a:t>s</a:t>
             </a:r>
             <a:r>
-              <a:rPr sz="3200" spc="-155" dirty="0" smtClean="0">
-                <a:solidFill>
-                  <a:srgbClr val="FFFFFF"/>
-                </a:solidFill>
-                <a:latin typeface="Trebuchet MS"/>
-                <a:cs typeface="Trebuchet MS"/>
-              </a:rPr>
-              <a:t> </a:t>
-            </a:r>
-            <a:r>
-              <a:rPr sz="3200" spc="-50" dirty="0" err="1" smtClean="0">
+              <a:rPr sz="3200" spc="-155" dirty="0">
+                <a:solidFill>
+                  <a:srgbClr val="FFFFFF"/>
+                </a:solidFill>
+                <a:latin typeface="Trebuchet MS"/>
+                <a:cs typeface="Trebuchet MS"/>
+              </a:rPr>
+              <a:t> </a:t>
+            </a:r>
+            <a:r>
+              <a:rPr sz="3200" spc="-50" dirty="0" err="1">
                 <a:solidFill>
                   <a:srgbClr val="FFFFFF"/>
                 </a:solidFill>
@@ -24520,7 +24490,7 @@
               <a:t>c</a:t>
             </a:r>
             <a:r>
-              <a:rPr sz="3200" spc="-100" dirty="0" err="1" smtClean="0">
+              <a:rPr sz="3200" spc="-100" dirty="0" err="1">
                 <a:solidFill>
                   <a:srgbClr val="FFFFFF"/>
                 </a:solidFill>
@@ -24530,7 +24500,7 @@
               <a:t>l</a:t>
             </a:r>
             <a:r>
-              <a:rPr sz="3200" spc="-240" dirty="0" err="1" smtClean="0">
+              <a:rPr sz="3200" spc="-240" dirty="0" err="1">
                 <a:solidFill>
                   <a:srgbClr val="FFFFFF"/>
                 </a:solidFill>
@@ -24540,7 +24510,7 @@
               <a:t>o</a:t>
             </a:r>
             <a:r>
-              <a:rPr sz="3200" spc="85" dirty="0" err="1" smtClean="0">
+              <a:rPr sz="3200" spc="85" dirty="0" err="1">
                 <a:solidFill>
                   <a:srgbClr val="FFFFFF"/>
                 </a:solidFill>
@@ -24550,7 +24520,7 @@
               <a:t>s</a:t>
             </a:r>
             <a:r>
-              <a:rPr sz="3200" spc="-110" dirty="0" err="1" smtClean="0">
+              <a:rPr sz="3200" spc="-110" dirty="0" err="1">
                 <a:solidFill>
                   <a:srgbClr val="FFFFFF"/>
                 </a:solidFill>
@@ -24560,7 +24530,7 @@
               <a:t>e</a:t>
             </a:r>
             <a:r>
-              <a:rPr sz="3200" spc="85" dirty="0" err="1" smtClean="0">
+              <a:rPr sz="3200" spc="85" dirty="0" err="1">
                 <a:solidFill>
                   <a:srgbClr val="FFFFFF"/>
                 </a:solidFill>
@@ -24570,7 +24540,7 @@
               <a:t>s</a:t>
             </a:r>
             <a:r>
-              <a:rPr sz="3200" spc="-459" dirty="0" err="1" smtClean="0">
+              <a:rPr sz="3200" spc="-459" dirty="0" err="1">
                 <a:solidFill>
                   <a:srgbClr val="FFFFFF"/>
                 </a:solidFill>
@@ -24580,7 +24550,7 @@
               <a:t>t</a:t>
             </a:r>
             <a:r>
-              <a:rPr sz="3200" spc="5" dirty="0" err="1" smtClean="0">
+              <a:rPr sz="3200" spc="5" dirty="0" err="1">
                 <a:solidFill>
                   <a:srgbClr val="FFFFFF"/>
                 </a:solidFill>
@@ -24591,7 +24561,7 @@
               <a:t>p</a:t>
             </a:r>
             <a:r>
-              <a:rPr sz="3200" spc="30" dirty="0" err="1" smtClean="0">
+              <a:rPr sz="3200" spc="30" dirty="0" err="1">
                 <a:solidFill>
                   <a:srgbClr val="FFFFFF"/>
                 </a:solidFill>
@@ -24602,7 +24572,7 @@
               <a:t>o</a:t>
             </a:r>
             <a:r>
-              <a:rPr sz="3200" spc="-455" dirty="0" err="1" smtClean="0">
+              <a:rPr sz="3200" spc="-455" dirty="0" err="1">
                 <a:solidFill>
                   <a:srgbClr val="FFFFFF"/>
                 </a:solidFill>
@@ -24613,7 +24583,7 @@
               <a:t>s</a:t>
             </a:r>
             <a:r>
-              <a:rPr sz="3200" spc="-125" dirty="0" err="1" smtClean="0">
+              <a:rPr sz="3200" spc="-125" dirty="0" err="1">
                 <a:solidFill>
                   <a:srgbClr val="FFFFFF"/>
                 </a:solidFill>
@@ -24624,7 +24594,7 @@
               <a:t>i</a:t>
             </a:r>
             <a:r>
-              <a:rPr sz="3200" spc="-165" dirty="0" err="1" smtClean="0">
+              <a:rPr sz="3200" spc="-165" dirty="0" err="1">
                 <a:solidFill>
                   <a:srgbClr val="FFFFFF"/>
                 </a:solidFill>
@@ -24635,7 +24605,7 @@
               <a:t>t</a:t>
             </a:r>
             <a:r>
-              <a:rPr sz="3200" spc="-125" dirty="0" err="1" smtClean="0">
+              <a:rPr sz="3200" spc="-125" dirty="0" err="1">
                 <a:solidFill>
                   <a:srgbClr val="FFFFFF"/>
                 </a:solidFill>
@@ -24646,7 +24616,7 @@
               <a:t>i</a:t>
             </a:r>
             <a:r>
-              <a:rPr sz="3200" spc="30" dirty="0" err="1" smtClean="0">
+              <a:rPr sz="3200" spc="30" dirty="0" err="1">
                 <a:solidFill>
                   <a:srgbClr val="FFFFFF"/>
                 </a:solidFill>
@@ -24657,7 +24627,7 @@
               <a:t>o</a:t>
             </a:r>
             <a:r>
-              <a:rPr sz="3200" spc="-1080" dirty="0" err="1" smtClean="0">
+              <a:rPr sz="3200" spc="-1080" dirty="0" err="1">
                 <a:solidFill>
                   <a:srgbClr val="FFFFFF"/>
                 </a:solidFill>
@@ -24668,7 +24638,7 @@
               <a:t>n</a:t>
             </a:r>
             <a:r>
-              <a:rPr sz="3200" spc="-110" dirty="0" err="1" smtClean="0">
+              <a:rPr sz="3200" spc="-110" dirty="0" err="1">
                 <a:solidFill>
                   <a:srgbClr val="FFFFFF"/>
                 </a:solidFill>
@@ -24679,7 +24649,7 @@
               <a:t>e</a:t>
             </a:r>
             <a:r>
-              <a:rPr sz="3200" spc="10" dirty="0" err="1" smtClean="0">
+              <a:rPr sz="3200" spc="10" dirty="0" err="1">
                 <a:solidFill>
                   <a:srgbClr val="FFFFFF"/>
                 </a:solidFill>
@@ -24690,7 +24660,7 @@
               <a:t>d</a:t>
             </a:r>
             <a:r>
-              <a:rPr sz="3200" spc="-160" dirty="0" smtClean="0">
+              <a:rPr sz="3200" spc="-160" dirty="0">
                 <a:solidFill>
                   <a:srgbClr val="FFFFFF"/>
                 </a:solidFill>
@@ -24701,7 +24671,7 @@
               <a:t> </a:t>
             </a:r>
             <a:r>
-              <a:rPr sz="3200" spc="-60" dirty="0" smtClean="0">
+              <a:rPr sz="3200" spc="-60" dirty="0">
                 <a:solidFill>
                   <a:srgbClr val="FFFFFF"/>
                 </a:solidFill>
@@ -24711,7 +24681,7 @@
               <a:t>a</a:t>
             </a:r>
             <a:r>
-              <a:rPr sz="3200" spc="-300" dirty="0" smtClean="0">
+              <a:rPr sz="3200" spc="-300" dirty="0">
                 <a:solidFill>
                   <a:srgbClr val="FFFFFF"/>
                 </a:solidFill>
@@ -24721,7 +24691,7 @@
               <a:t>n</a:t>
             </a:r>
             <a:r>
-              <a:rPr sz="3200" spc="-50" dirty="0" smtClean="0">
+              <a:rPr sz="3200" spc="-50" dirty="0">
                 <a:solidFill>
                   <a:srgbClr val="FFFFFF"/>
                 </a:solidFill>
@@ -24731,7 +24701,7 @@
               <a:t>c</a:t>
             </a:r>
             <a:r>
-              <a:rPr sz="3200" spc="-110" dirty="0" smtClean="0">
+              <a:rPr sz="3200" spc="-110" dirty="0">
                 <a:solidFill>
                   <a:srgbClr val="FFFFFF"/>
                 </a:solidFill>
@@ -24741,7 +24711,7 @@
               <a:t>e</a:t>
             </a:r>
             <a:r>
-              <a:rPr sz="3200" spc="85" dirty="0" smtClean="0">
+              <a:rPr sz="3200" spc="85" dirty="0">
                 <a:solidFill>
                   <a:srgbClr val="FFFFFF"/>
                 </a:solidFill>
@@ -24751,7 +24721,7 @@
               <a:t>s</a:t>
             </a:r>
             <a:r>
-              <a:rPr sz="3200" spc="-165" dirty="0" smtClean="0">
+              <a:rPr sz="3200" spc="-165" dirty="0">
                 <a:solidFill>
                   <a:srgbClr val="FFFFFF"/>
                 </a:solidFill>
@@ -24761,7 +24731,7 @@
               <a:t>t</a:t>
             </a:r>
             <a:r>
-              <a:rPr sz="3200" spc="30" dirty="0" smtClean="0">
+              <a:rPr sz="3200" spc="30" dirty="0">
                 <a:solidFill>
                   <a:srgbClr val="FFFFFF"/>
                 </a:solidFill>
@@ -24771,7 +24741,7 @@
               <a:t>o</a:t>
             </a:r>
             <a:r>
-              <a:rPr sz="3200" spc="5" dirty="0" smtClean="0">
+              <a:rPr sz="3200" spc="5" dirty="0">
                 <a:solidFill>
                   <a:srgbClr val="FFFFFF"/>
                 </a:solidFill>
@@ -27567,7 +27537,7 @@
               <a:t> </a:t>
             </a:r>
             <a:r>
-              <a:rPr sz="3200" i="1" spc="-459" dirty="0" smtClean="0">
+              <a:rPr sz="3200" i="1" spc="-459" dirty="0">
                 <a:solidFill>
                   <a:srgbClr val="FFFFFF"/>
                 </a:solidFill>
@@ -27577,7 +27547,7 @@
               <a:t>:</a:t>
             </a:r>
             <a:r>
-              <a:rPr sz="3200" i="1" spc="-5" dirty="0" err="1" smtClean="0">
+              <a:rPr sz="3200" i="1" spc="-5" dirty="0" err="1">
                 <a:solidFill>
                   <a:srgbClr val="FFFFFF"/>
                 </a:solidFill>
@@ -27587,7 +27557,7 @@
               <a:t>u</a:t>
             </a:r>
             <a:r>
-              <a:rPr sz="3200" i="1" spc="-80" dirty="0" err="1" smtClean="0">
+              <a:rPr sz="3200" i="1" spc="-80" dirty="0" err="1">
                 <a:solidFill>
                   <a:srgbClr val="FFFFFF"/>
                 </a:solidFill>
@@ -27597,7 +27567,7 @@
               <a:t>r</a:t>
             </a:r>
             <a:r>
-              <a:rPr sz="3200" i="1" spc="-180" dirty="0" err="1" smtClean="0">
+              <a:rPr sz="3200" i="1" spc="-180" dirty="0" err="1">
                 <a:solidFill>
                   <a:srgbClr val="FFFFFF"/>
                 </a:solidFill>
@@ -27627,7 +27597,7 @@
               <a:t>"</a:t>
             </a:r>
             <a:r>
-              <a:rPr sz="3200" i="1" spc="-850" dirty="0" smtClean="0">
+              <a:rPr sz="3200" i="1" spc="-850" dirty="0">
                 <a:solidFill>
                   <a:srgbClr val="FFFFFF"/>
                 </a:solidFill>
@@ -27637,7 +27607,7 @@
               <a:t>i</a:t>
             </a:r>
             <a:r>
-              <a:rPr sz="3200" i="1" spc="25" dirty="0" smtClean="0">
+              <a:rPr sz="3200" i="1" spc="25" dirty="0">
                 <a:solidFill>
                   <a:srgbClr val="FFFFFF"/>
                 </a:solidFill>
@@ -27647,7 +27617,7 @@
               <a:t>m</a:t>
             </a:r>
             <a:r>
-              <a:rPr sz="3200" i="1" spc="110" dirty="0" smtClean="0">
+              <a:rPr sz="3200" i="1" spc="110" dirty="0">
                 <a:solidFill>
                   <a:srgbClr val="FFFFFF"/>
                 </a:solidFill>
@@ -27657,7 +27627,7 @@
               <a:t>a</a:t>
             </a:r>
             <a:r>
-              <a:rPr sz="3200" i="1" spc="185" dirty="0" smtClean="0">
+              <a:rPr sz="3200" i="1" spc="185" dirty="0">
                 <a:solidFill>
                   <a:srgbClr val="FFFFFF"/>
                 </a:solidFill>
@@ -27667,7 +27637,7 @@
               <a:t>g</a:t>
             </a:r>
             <a:r>
-              <a:rPr sz="3200" i="1" spc="-85" dirty="0" smtClean="0">
+              <a:rPr sz="3200" i="1" spc="-85" dirty="0">
                 <a:solidFill>
                   <a:srgbClr val="FFFFFF"/>
                 </a:solidFill>
@@ -27677,7 +27647,7 @@
               <a:t>e</a:t>
             </a:r>
             <a:r>
-              <a:rPr sz="3200" i="1" spc="-800" dirty="0" smtClean="0">
+              <a:rPr sz="3200" i="1" spc="-800" dirty="0">
                 <a:solidFill>
                   <a:srgbClr val="FFFFFF"/>
                 </a:solidFill>
@@ -27687,7 +27657,7 @@
               <a:t>.</a:t>
             </a:r>
             <a:r>
-              <a:rPr sz="3200" i="1" spc="-370" dirty="0" smtClean="0">
+              <a:rPr sz="3200" i="1" spc="-370" dirty="0">
                 <a:solidFill>
                   <a:srgbClr val="FFFFFF"/>
                 </a:solidFill>
@@ -27697,7 +27667,7 @@
               <a:t>j</a:t>
             </a:r>
             <a:r>
-              <a:rPr sz="3200" i="1" spc="10" dirty="0" smtClean="0">
+              <a:rPr sz="3200" i="1" spc="10" dirty="0">
                 <a:solidFill>
                   <a:srgbClr val="FFFFFF"/>
                 </a:solidFill>
@@ -27707,7 +27677,7 @@
               <a:t>p</a:t>
             </a:r>
             <a:r>
-              <a:rPr sz="3200" i="1" spc="-85" dirty="0" smtClean="0">
+              <a:rPr sz="3200" i="1" spc="-85" dirty="0">
                 <a:solidFill>
                   <a:srgbClr val="FFFFFF"/>
                 </a:solidFill>
@@ -27717,7 +27687,7 @@
               <a:t>e</a:t>
             </a:r>
             <a:r>
-              <a:rPr sz="3200" i="1" spc="-1005" dirty="0" smtClean="0">
+              <a:rPr sz="3200" i="1" spc="-1005" dirty="0">
                 <a:solidFill>
                   <a:srgbClr val="FFFFFF"/>
                 </a:solidFill>
@@ -27727,7 +27697,7 @@
               <a:t>g</a:t>
             </a:r>
             <a:r>
-              <a:rPr sz="3200" i="1" spc="415" dirty="0" smtClean="0">
+              <a:rPr sz="3200" i="1" spc="415" dirty="0">
                 <a:solidFill>
                   <a:srgbClr val="FFFFFF"/>
                 </a:solidFill>
@@ -27737,7 +27707,7 @@
               <a:t>"</a:t>
             </a:r>
             <a:r>
-              <a:rPr sz="3200" i="1" spc="-290" dirty="0" smtClean="0">
+              <a:rPr sz="3200" i="1" spc="-290" dirty="0">
                 <a:solidFill>
                   <a:srgbClr val="FFFFFF"/>
                 </a:solidFill>
@@ -27747,7 +27717,7 @@
               <a:t>)</a:t>
             </a:r>
             <a:r>
-              <a:rPr sz="3200" i="1" spc="-150" dirty="0" smtClean="0">
+              <a:rPr sz="3200" i="1" spc="-150" dirty="0">
                 <a:solidFill>
                   <a:srgbClr val="FFFFFF"/>
                 </a:solidFill>
@@ -28978,28 +28948,6 @@
           </a:p>
         </p:txBody>
       </p:sp>
-      <p:pic>
-        <p:nvPicPr>
-          <p:cNvPr id="3" name="object 3"/>
-          <p:cNvPicPr/>
-          <p:nvPr/>
-        </p:nvPicPr>
-        <p:blipFill>
-          <a:blip r:embed="rId2" cstate="print"/>
-          <a:stretch>
-            <a:fillRect/>
-          </a:stretch>
-        </p:blipFill>
-        <p:spPr>
-          <a:xfrm>
-            <a:off x="5625719" y="705126"/>
-            <a:ext cx="1171146" cy="1170940"/>
-          </a:xfrm>
-          <a:prstGeom prst="rect">
-            <a:avLst/>
-          </a:prstGeom>
-        </p:spPr>
-      </p:pic>
       <p:sp>
         <p:nvSpPr>
           <p:cNvPr id="4" name="object 4"/>
@@ -29081,14 +29029,7 @@
               <a:rPr spc="-160" dirty="0"/>
               <a:t>t</a:t>
             </a:r>
-            <a:r>
-              <a:rPr spc="-345" dirty="0"/>
-              <a:t> </a:t>
-            </a:r>
-            <a:r>
-              <a:rPr spc="-35" dirty="0"/>
-              <a:t>5</a:t>
-            </a:r>
+            <a:endParaRPr spc="-35" dirty="0"/>
           </a:p>
         </p:txBody>
       </p:sp>
@@ -29099,7 +29040,7 @@
           <p:nvPr/>
         </p:nvPicPr>
         <p:blipFill>
-          <a:blip r:embed="rId3" cstate="print"/>
+          <a:blip r:embed="rId2" cstate="print"/>
           <a:stretch>
             <a:fillRect/>
           </a:stretch>
@@ -29713,7 +29654,7 @@
           <p:nvPr/>
         </p:nvPicPr>
         <p:blipFill>
-          <a:blip r:embed="rId3" cstate="print"/>
+          <a:blip r:embed="rId2" cstate="print"/>
           <a:stretch>
             <a:fillRect/>
           </a:stretch>
@@ -30195,7 +30136,7 @@
           <p:nvPr/>
         </p:nvPicPr>
         <p:blipFill>
-          <a:blip r:embed="rId3" cstate="print"/>
+          <a:blip r:embed="rId2" cstate="print"/>
           <a:stretch>
             <a:fillRect/>
           </a:stretch>
@@ -31515,7 +31456,7 @@
               </a:tabLst>
             </a:pPr>
             <a:r>
-              <a:rPr sz="4000" i="1" dirty="0" smtClean="0">
+              <a:rPr sz="4000" i="1" dirty="0">
                 <a:solidFill>
                   <a:srgbClr val="FFFFFF"/>
                 </a:solidFill>
@@ -31525,7 +31466,7 @@
               <a:t>h</a:t>
             </a:r>
             <a:r>
-              <a:rPr sz="4000" i="1" spc="-105" dirty="0" smtClean="0">
+              <a:rPr sz="4000" i="1" spc="-105" dirty="0">
                 <a:solidFill>
                   <a:srgbClr val="FFFFFF"/>
                 </a:solidFill>
@@ -31535,7 +31476,7 @@
               <a:t>e</a:t>
             </a:r>
             <a:r>
-              <a:rPr sz="4000" i="1" spc="-229" dirty="0" smtClean="0">
+              <a:rPr sz="4000" i="1" spc="-229" dirty="0">
                 <a:solidFill>
                   <a:srgbClr val="FFFFFF"/>
                 </a:solidFill>
@@ -31545,7 +31486,7 @@
               <a:t>i</a:t>
             </a:r>
             <a:r>
-              <a:rPr sz="4000" i="1" spc="229" dirty="0" smtClean="0">
+              <a:rPr sz="4000" i="1" spc="229" dirty="0">
                 <a:solidFill>
                   <a:srgbClr val="FFFFFF"/>
                 </a:solidFill>
@@ -31555,7 +31496,7 @@
               <a:t>g</a:t>
             </a:r>
             <a:r>
-              <a:rPr sz="4000" i="1" dirty="0" smtClean="0">
+              <a:rPr sz="4000" i="1" dirty="0">
                 <a:solidFill>
                   <a:srgbClr val="FFFFFF"/>
                 </a:solidFill>
@@ -31565,7 +31506,7 @@
               <a:t>h</a:t>
             </a:r>
             <a:r>
-              <a:rPr sz="4000" i="1" spc="-285" dirty="0" smtClean="0">
+              <a:rPr sz="4000" i="1" spc="-285" dirty="0">
                 <a:solidFill>
                   <a:srgbClr val="FFFFFF"/>
                 </a:solidFill>
@@ -31625,7 +31566,7 @@
               <a:t>x</a:t>
             </a:r>
             <a:r>
-              <a:rPr sz="4000" i="1" spc="-1375" dirty="0" smtClean="0">
+              <a:rPr sz="4000" i="1" spc="-1375" dirty="0">
                 <a:solidFill>
                   <a:srgbClr val="FFFFFF"/>
                 </a:solidFill>
@@ -32414,7 +32355,7 @@
               </a:tabLst>
             </a:pPr>
             <a:r>
-              <a:rPr sz="4000" i="1" spc="-160" dirty="0" smtClean="0">
+              <a:rPr sz="4000" i="1" spc="-160" dirty="0">
                 <a:solidFill>
                   <a:srgbClr val="FFFFFF"/>
                 </a:solidFill>
@@ -32424,7 +32365,7 @@
               <a:t>w</a:t>
             </a:r>
             <a:r>
-              <a:rPr sz="4000" i="1" spc="-229" dirty="0" smtClean="0">
+              <a:rPr sz="4000" i="1" spc="-229" dirty="0">
                 <a:solidFill>
                   <a:srgbClr val="FFFFFF"/>
                 </a:solidFill>
@@ -32434,7 +32375,7 @@
               <a:t>i</a:t>
             </a:r>
             <a:r>
-              <a:rPr sz="4000" i="1" spc="10" dirty="0" smtClean="0">
+              <a:rPr sz="4000" i="1" spc="10" dirty="0">
                 <a:solidFill>
                   <a:srgbClr val="FFFFFF"/>
                 </a:solidFill>
@@ -32444,7 +32385,7 @@
               <a:t>d</a:t>
             </a:r>
             <a:r>
-              <a:rPr sz="4000" i="1" spc="-285" dirty="0" smtClean="0">
+              <a:rPr sz="4000" i="1" spc="-285" dirty="0">
                 <a:solidFill>
                   <a:srgbClr val="FFFFFF"/>
                 </a:solidFill>
@@ -32454,7 +32395,7 @@
               <a:t>t</a:t>
             </a:r>
             <a:r>
-              <a:rPr sz="4000" i="1" dirty="0" smtClean="0">
+              <a:rPr sz="4000" i="1" dirty="0">
                 <a:solidFill>
                   <a:srgbClr val="FFFFFF"/>
                 </a:solidFill>
@@ -32484,7 +32425,7 @@
               <a:t>	</a:t>
             </a:r>
             <a:r>
-              <a:rPr sz="4000" i="1" spc="200" dirty="0" smtClean="0">
+              <a:rPr sz="4000" i="1" spc="200" dirty="0">
                 <a:solidFill>
                   <a:srgbClr val="FFFFFF"/>
                 </a:solidFill>
@@ -32494,7 +32435,7 @@
               <a:t>50</a:t>
             </a:r>
             <a:r>
-              <a:rPr sz="4000" i="1" spc="10" dirty="0" smtClean="0">
+              <a:rPr sz="4000" i="1" spc="10" dirty="0">
                 <a:solidFill>
                   <a:srgbClr val="FFFFFF"/>
                 </a:solidFill>
@@ -32504,7 +32445,7 @@
               <a:t>p</a:t>
             </a:r>
             <a:r>
-              <a:rPr sz="4000" i="1" spc="-105" dirty="0" smtClean="0">
+              <a:rPr sz="4000" i="1" spc="-105" dirty="0">
                 <a:solidFill>
                   <a:srgbClr val="FFFFFF"/>
                 </a:solidFill>
@@ -32514,7 +32455,7 @@
               <a:t>x</a:t>
             </a:r>
             <a:r>
-              <a:rPr sz="4000" i="1" spc="-645" dirty="0" smtClean="0">
+              <a:rPr sz="4000" i="1" spc="-645" dirty="0">
                 <a:solidFill>
                   <a:srgbClr val="FFFFFF"/>
                 </a:solidFill>
@@ -32524,7 +32465,7 @@
               <a:t>;</a:t>
             </a:r>
             <a:r>
-              <a:rPr sz="16650" b="1" spc="-667" baseline="-6256" dirty="0" smtClean="0">
+              <a:rPr sz="16650" b="1" spc="-667" baseline="-6256" dirty="0">
                 <a:solidFill>
                   <a:srgbClr val="FFA511"/>
                 </a:solidFill>
@@ -33962,7 +33903,7 @@
               </a:tabLst>
             </a:pPr>
             <a:r>
-              <a:rPr sz="4000" i="1" spc="15" dirty="0" smtClean="0">
+              <a:rPr sz="4000" i="1" spc="15" dirty="0">
                 <a:solidFill>
                   <a:srgbClr val="FFFFFF"/>
                 </a:solidFill>
@@ -33972,7 +33913,7 @@
               <a:t>b</a:t>
             </a:r>
             <a:r>
-              <a:rPr sz="4000" i="1" spc="45" dirty="0" smtClean="0">
+              <a:rPr sz="4000" i="1" spc="45" dirty="0">
                 <a:solidFill>
                   <a:srgbClr val="FFFFFF"/>
                 </a:solidFill>
@@ -33982,7 +33923,7 @@
               <a:t>o</a:t>
             </a:r>
             <a:r>
-              <a:rPr sz="4000" i="1" spc="-95" dirty="0" smtClean="0">
+              <a:rPr sz="4000" i="1" spc="-95" dirty="0">
                 <a:solidFill>
                   <a:srgbClr val="FFFFFF"/>
                 </a:solidFill>
@@ -33992,7 +33933,7 @@
               <a:t>r</a:t>
             </a:r>
             <a:r>
-              <a:rPr sz="4000" i="1" spc="10" dirty="0" smtClean="0">
+              <a:rPr sz="4000" i="1" spc="10" dirty="0">
                 <a:solidFill>
                   <a:srgbClr val="FFFFFF"/>
                 </a:solidFill>
@@ -34002,7 +33943,7 @@
               <a:t>d</a:t>
             </a:r>
             <a:r>
-              <a:rPr sz="4000" i="1" spc="-105" dirty="0" smtClean="0">
+              <a:rPr sz="4000" i="1" spc="-105" dirty="0">
                 <a:solidFill>
                   <a:srgbClr val="FFFFFF"/>
                 </a:solidFill>
@@ -34012,7 +33953,7 @@
               <a:t>e</a:t>
             </a:r>
             <a:r>
-              <a:rPr sz="4000" i="1" spc="-95" dirty="0" smtClean="0">
+              <a:rPr sz="4000" i="1" spc="-95" dirty="0">
                 <a:solidFill>
                   <a:srgbClr val="FFFFFF"/>
                 </a:solidFill>
@@ -34022,7 +33963,7 @@
               <a:t>r</a:t>
             </a:r>
             <a:r>
-              <a:rPr sz="4000" i="1" spc="190" dirty="0" smtClean="0">
+              <a:rPr sz="4000" i="1" spc="190" dirty="0">
                 <a:solidFill>
                   <a:srgbClr val="FFFFFF"/>
                 </a:solidFill>
@@ -34032,7 +33973,7 @@
               <a:t>-</a:t>
             </a:r>
             <a:r>
-              <a:rPr sz="4000" i="1" spc="-95" dirty="0" smtClean="0">
+              <a:rPr sz="4000" i="1" spc="-95" dirty="0">
                 <a:solidFill>
                   <a:srgbClr val="FFFFFF"/>
                 </a:solidFill>
@@ -34042,7 +33983,7 @@
               <a:t>r</a:t>
             </a:r>
             <a:r>
-              <a:rPr sz="4000" i="1" spc="140" dirty="0" smtClean="0">
+              <a:rPr sz="4000" i="1" spc="140" dirty="0">
                 <a:solidFill>
                   <a:srgbClr val="FFFFFF"/>
                 </a:solidFill>
@@ -34052,7 +33993,7 @@
               <a:t>a</a:t>
             </a:r>
             <a:r>
-              <a:rPr sz="4000" i="1" spc="10" dirty="0" smtClean="0">
+              <a:rPr sz="4000" i="1" spc="10" dirty="0">
                 <a:solidFill>
                   <a:srgbClr val="FFFFFF"/>
                 </a:solidFill>
@@ -34062,7 +34003,7 @@
               <a:t>d</a:t>
             </a:r>
             <a:r>
-              <a:rPr sz="4000" i="1" spc="-229" dirty="0" smtClean="0">
+              <a:rPr sz="4000" i="1" spc="-229" dirty="0">
                 <a:solidFill>
                   <a:srgbClr val="FFFFFF"/>
                 </a:solidFill>
@@ -34072,7 +34013,7 @@
               <a:t>i</a:t>
             </a:r>
             <a:r>
-              <a:rPr sz="4000" i="1" dirty="0" smtClean="0">
+              <a:rPr sz="4000" i="1" dirty="0">
                 <a:solidFill>
                   <a:srgbClr val="FFFFFF"/>
                 </a:solidFill>
@@ -34082,7 +34023,7 @@
               <a:t>u</a:t>
             </a:r>
             <a:r>
-              <a:rPr lang="en-US" sz="4000" i="1" spc="120" dirty="0" smtClean="0">
+              <a:rPr lang="en-US" sz="4000" i="1" spc="120" dirty="0">
                 <a:solidFill>
                   <a:srgbClr val="FFFFFF"/>
                 </a:solidFill>
@@ -35204,7 +35145,7 @@
               <a:t> </a:t>
             </a:r>
             <a:r>
-              <a:rPr sz="4000" i="1" spc="200" dirty="0" smtClean="0">
+              <a:rPr sz="4000" i="1" spc="200" dirty="0">
                 <a:solidFill>
                   <a:srgbClr val="FFFFFF"/>
                 </a:solidFill>
@@ -35214,7 +35155,7 @@
               <a:t>3</a:t>
             </a:r>
             <a:r>
-              <a:rPr sz="4000" i="1" spc="10" dirty="0" smtClean="0">
+              <a:rPr sz="4000" i="1" spc="10" dirty="0">
                 <a:solidFill>
                   <a:srgbClr val="FFFFFF"/>
                 </a:solidFill>
@@ -35224,7 +35165,7 @@
               <a:t>p</a:t>
             </a:r>
             <a:r>
-              <a:rPr sz="4000" i="1" spc="-100" dirty="0" smtClean="0">
+              <a:rPr sz="4000" i="1" spc="-100" dirty="0">
                 <a:solidFill>
                   <a:srgbClr val="FFFFFF"/>
                 </a:solidFill>
@@ -35234,17 +35175,17 @@
               <a:t>x</a:t>
             </a:r>
             <a:r>
-              <a:rPr sz="4000" i="1" spc="-130" dirty="0" smtClean="0">
-                <a:solidFill>
-                  <a:srgbClr val="FFFFFF"/>
-                </a:solidFill>
-                <a:latin typeface="Trebuchet MS"/>
-                <a:cs typeface="Trebuchet MS"/>
-              </a:rPr>
-              <a:t> </a:t>
-            </a:r>
-            <a:r>
-              <a:rPr sz="4000" i="1" spc="-2055" dirty="0" smtClean="0">
+              <a:rPr sz="4000" i="1" spc="-130" dirty="0">
+                <a:solidFill>
+                  <a:srgbClr val="FFFFFF"/>
+                </a:solidFill>
+                <a:latin typeface="Trebuchet MS"/>
+                <a:cs typeface="Trebuchet MS"/>
+              </a:rPr>
+              <a:t> </a:t>
+            </a:r>
+            <a:r>
+              <a:rPr sz="4000" i="1" spc="-2055" dirty="0">
                 <a:solidFill>
                   <a:srgbClr val="FFFFFF"/>
                 </a:solidFill>
@@ -35254,7 +35195,7 @@
               <a:t>4</a:t>
             </a:r>
             <a:r>
-              <a:rPr sz="4000" i="1" spc="10" dirty="0" smtClean="0">
+              <a:rPr sz="4000" i="1" spc="10" dirty="0">
                 <a:solidFill>
                   <a:srgbClr val="FFFFFF"/>
                 </a:solidFill>
@@ -35264,7 +35205,7 @@
               <a:t>p</a:t>
             </a:r>
             <a:r>
-              <a:rPr sz="4000" i="1" spc="-105" dirty="0" smtClean="0">
+              <a:rPr sz="4000" i="1" spc="-105" dirty="0">
                 <a:solidFill>
                   <a:srgbClr val="FFFFFF"/>
                 </a:solidFill>
@@ -35274,7 +35215,7 @@
               <a:t>x</a:t>
             </a:r>
             <a:r>
-              <a:rPr sz="4000" i="1" spc="-185" dirty="0" smtClean="0">
+              <a:rPr sz="4000" i="1" spc="-185" dirty="0">
                 <a:solidFill>
                   <a:srgbClr val="FFFFFF"/>
                 </a:solidFill>
